--- a/Tiny Package/MOS Cloud/Verification/MOS Cloud 기능동작 점검.pptx
+++ b/Tiny Package/MOS Cloud/Verification/MOS Cloud 기능동작 점검.pptx
@@ -5,7 +5,7 @@
     <p:sldMasterId id="2147483648" r:id="rId1"/>
   </p:sldMasterIdLst>
   <p:notesMasterIdLst>
-    <p:notesMasterId r:id="rId10"/>
+    <p:notesMasterId r:id="rId11"/>
   </p:notesMasterIdLst>
   <p:sldIdLst>
     <p:sldId id="256" r:id="rId2"/>
@@ -16,35 +16,36 @@
     <p:sldId id="304" r:id="rId7"/>
     <p:sldId id="305" r:id="rId8"/>
     <p:sldId id="306" r:id="rId9"/>
+    <p:sldId id="307" r:id="rId10"/>
   </p:sldIdLst>
   <p:sldSz cx="12192000" cy="6858000"/>
   <p:notesSz cx="6858000" cy="9144000"/>
   <p:embeddedFontLst>
     <p:embeddedFont>
       <p:font typeface="맑은 고딕" panose="020B0503020000020004" pitchFamily="50" charset="-127"/>
-      <p:regular r:id="rId11"/>
-      <p:bold r:id="rId12"/>
+      <p:regular r:id="rId12"/>
+      <p:bold r:id="rId13"/>
     </p:embeddedFont>
     <p:embeddedFont>
       <p:font typeface="에스코어 드림 3 Light" panose="020B0303030302020204" pitchFamily="34" charset="-127"/>
-      <p:regular r:id="rId13"/>
+      <p:regular r:id="rId14"/>
     </p:embeddedFont>
     <p:embeddedFont>
       <p:font typeface="에스코어 드림 4 Regular" panose="020B0503030302020204" pitchFamily="34" charset="-127"/>
-      <p:regular r:id="rId14"/>
+      <p:regular r:id="rId15"/>
     </p:embeddedFont>
     <p:embeddedFont>
       <p:font typeface="에스코어 드림 5 Medium" panose="020B0503030302020204" pitchFamily="34" charset="-127"/>
-      <p:regular r:id="rId15"/>
+      <p:regular r:id="rId16"/>
     </p:embeddedFont>
     <p:embeddedFont>
       <p:font typeface="에스코어 드림 6 Bold" panose="020B0703030302020204" pitchFamily="34" charset="-127"/>
-      <p:regular r:id="rId16"/>
-      <p:bold r:id="rId17"/>
+      <p:regular r:id="rId17"/>
+      <p:bold r:id="rId18"/>
     </p:embeddedFont>
     <p:embeddedFont>
       <p:font typeface="에스코어 드림 8 Heavy" panose="020B0903030302020204" pitchFamily="34" charset="-127"/>
-      <p:bold r:id="rId18"/>
+      <p:bold r:id="rId19"/>
     </p:embeddedFont>
   </p:embeddedFontLst>
   <p:defaultTextStyle>
@@ -5386,7 +5387,7 @@
           <a:p>
             <a:fld id="{116A6C1D-3507-446A-A044-82BB28480E38}" type="datetimeFigureOut">
               <a:rPr lang="ko-KR" altLang="en-US" smtClean="0"/>
-              <a:t>2023-07-31</a:t>
+              <a:t>2023-08-22</a:t>
             </a:fld>
             <a:endParaRPr lang="ko-KR" altLang="en-US"/>
           </a:p>
@@ -5800,7 +5801,7 @@
           <a:p>
             <a:fld id="{69B43524-BEFA-488C-BC05-69222E5CFA9D}" type="datetime1">
               <a:rPr lang="ko-KR" altLang="en-US" smtClean="0"/>
-              <a:t>2023-07-31</a:t>
+              <a:t>2023-08-22</a:t>
             </a:fld>
             <a:endParaRPr lang="ko-KR" altLang="en-US"/>
           </a:p>
@@ -5998,7 +5999,7 @@
           <a:p>
             <a:fld id="{1A6A7683-8D67-43F2-9710-48F6BAA9E150}" type="datetime1">
               <a:rPr lang="ko-KR" altLang="en-US" smtClean="0"/>
-              <a:t>2023-07-31</a:t>
+              <a:t>2023-08-22</a:t>
             </a:fld>
             <a:endParaRPr lang="ko-KR" altLang="en-US"/>
           </a:p>
@@ -6206,7 +6207,7 @@
           <a:p>
             <a:fld id="{063EE130-85DB-4C9D-8DB6-AF11FA2D20B0}" type="datetime1">
               <a:rPr lang="ko-KR" altLang="en-US" smtClean="0"/>
-              <a:t>2023-07-31</a:t>
+              <a:t>2023-08-22</a:t>
             </a:fld>
             <a:endParaRPr lang="ko-KR" altLang="en-US"/>
           </a:p>
@@ -6493,7 +6494,7 @@
           <a:p>
             <a:fld id="{E391AB19-BDFC-4D04-81EB-1143E3C084CC}" type="datetime1">
               <a:rPr lang="ko-KR" altLang="en-US" smtClean="0"/>
-              <a:t>2023-07-31</a:t>
+              <a:t>2023-08-22</a:t>
             </a:fld>
             <a:endParaRPr lang="ko-KR" altLang="en-US"/>
           </a:p>
@@ -6768,7 +6769,7 @@
           <a:p>
             <a:fld id="{BB9C80D9-7FC2-421F-A72A-01794B91D6C9}" type="datetime1">
               <a:rPr lang="ko-KR" altLang="en-US" smtClean="0"/>
-              <a:t>2023-07-31</a:t>
+              <a:t>2023-08-22</a:t>
             </a:fld>
             <a:endParaRPr lang="ko-KR" altLang="en-US"/>
           </a:p>
@@ -7033,7 +7034,7 @@
           <a:p>
             <a:fld id="{EF981FE9-F83A-4675-BAE2-DB3D8C4739C6}" type="datetime1">
               <a:rPr lang="ko-KR" altLang="en-US" smtClean="0"/>
-              <a:t>2023-07-31</a:t>
+              <a:t>2023-08-22</a:t>
             </a:fld>
             <a:endParaRPr lang="ko-KR" altLang="en-US"/>
           </a:p>
@@ -7445,7 +7446,7 @@
           <a:p>
             <a:fld id="{9CA449A2-2CCB-4A63-8426-8EBDA18360F8}" type="datetime1">
               <a:rPr lang="ko-KR" altLang="en-US" smtClean="0"/>
-              <a:t>2023-07-31</a:t>
+              <a:t>2023-08-22</a:t>
             </a:fld>
             <a:endParaRPr lang="ko-KR" altLang="en-US"/>
           </a:p>
@@ -7978,7 +7979,7 @@
           <a:p>
             <a:fld id="{06C5C5E9-02C4-4F49-BDCF-497A97F23B5C}" type="datetime1">
               <a:rPr lang="ko-KR" altLang="en-US" smtClean="0"/>
-              <a:t>2023-07-31</a:t>
+              <a:t>2023-08-22</a:t>
             </a:fld>
             <a:endParaRPr lang="ko-KR" altLang="en-US"/>
           </a:p>
@@ -8266,7 +8267,7 @@
           <a:p>
             <a:fld id="{ECE0EF8B-2319-43DC-A4D8-567609C80A1B}" type="datetime1">
               <a:rPr lang="ko-KR" altLang="en-US" smtClean="0"/>
-              <a:t>2023-07-31</a:t>
+              <a:t>2023-08-22</a:t>
             </a:fld>
             <a:endParaRPr lang="ko-KR" altLang="en-US"/>
           </a:p>
@@ -8507,7 +8508,7 @@
           <a:p>
             <a:fld id="{F977298A-8F51-4C66-941B-5A66725A87B4}" type="datetime1">
               <a:rPr lang="ko-KR" altLang="en-US" smtClean="0"/>
-              <a:t>2023-07-31</a:t>
+              <a:t>2023-08-22</a:t>
             </a:fld>
             <a:endParaRPr lang="ko-KR" altLang="en-US"/>
           </a:p>
@@ -12558,6 +12559,582 @@
     <p:extLst>
       <p:ext uri="{BB962C8B-B14F-4D97-AF65-F5344CB8AC3E}">
         <p14:creationId xmlns:p14="http://schemas.microsoft.com/office/powerpoint/2010/main" val="2817756761"/>
+      </p:ext>
+    </p:extLst>
+  </p:cSld>
+  <p:clrMapOvr>
+    <a:masterClrMapping/>
+  </p:clrMapOvr>
+</p:sld>
+</file>
+
+<file path=ppt/slides/slide9.xml><?xml version="1.0" encoding="utf-8"?>
+<p:sld xmlns:a="http://schemas.openxmlformats.org/drawingml/2006/main" xmlns:r="http://schemas.openxmlformats.org/officeDocument/2006/relationships" xmlns:p="http://schemas.openxmlformats.org/presentationml/2006/main">
+  <p:cSld>
+    <p:spTree>
+      <p:nvGrpSpPr>
+        <p:cNvPr id="1" name=""/>
+        <p:cNvGrpSpPr/>
+        <p:nvPr/>
+      </p:nvGrpSpPr>
+      <p:grpSpPr>
+        <a:xfrm>
+          <a:off x="0" y="0"/>
+          <a:ext cx="0" cy="0"/>
+          <a:chOff x="0" y="0"/>
+          <a:chExt cx="0" cy="0"/>
+        </a:xfrm>
+      </p:grpSpPr>
+      <p:sp>
+        <p:nvSpPr>
+          <p:cNvPr id="5" name="TextBox 4">
+            <a:extLst>
+              <a:ext uri="{FF2B5EF4-FFF2-40B4-BE49-F238E27FC236}">
+                <a16:creationId xmlns:a16="http://schemas.microsoft.com/office/drawing/2014/main" id="{AEE86A50-5F8F-2B12-0C7C-1CBCC65F9913}"/>
+              </a:ext>
+            </a:extLst>
+          </p:cNvPr>
+          <p:cNvSpPr txBox="1"/>
+          <p:nvPr/>
+        </p:nvSpPr>
+        <p:spPr>
+          <a:xfrm>
+            <a:off x="387532" y="292038"/>
+            <a:ext cx="6165668" cy="400110"/>
+          </a:xfrm>
+          <a:prstGeom prst="rect">
+            <a:avLst/>
+          </a:prstGeom>
+          <a:noFill/>
+        </p:spPr>
+        <p:txBody>
+          <a:bodyPr wrap="square">
+            <a:spAutoFit/>
+          </a:bodyPr>
+          <a:lstStyle/>
+          <a:p>
+            <a:r>
+              <a:rPr lang="en-US" altLang="ko-KR" sz="2000" b="1">
+                <a:solidFill>
+                  <a:schemeClr val="bg1"/>
+                </a:solidFill>
+                <a:latin typeface="에스코어 드림 6 Bold" panose="020B0703030302020204" pitchFamily="34" charset="-127"/>
+                <a:ea typeface="에스코어 드림 6 Bold" panose="020B0703030302020204" pitchFamily="34" charset="-127"/>
+              </a:rPr>
+              <a:t>AMQP </a:t>
+            </a:r>
+            <a:r>
+              <a:rPr lang="ko-KR" altLang="en-US" sz="2000" b="1">
+                <a:solidFill>
+                  <a:schemeClr val="bg1"/>
+                </a:solidFill>
+                <a:latin typeface="에스코어 드림 6 Bold" panose="020B0703030302020204" pitchFamily="34" charset="-127"/>
+                <a:ea typeface="에스코어 드림 6 Bold" panose="020B0703030302020204" pitchFamily="34" charset="-127"/>
+              </a:rPr>
+              <a:t>메시징버스 이용 데이터 접근</a:t>
+            </a:r>
+            <a:endParaRPr lang="ko-KR" altLang="en-US" sz="2000" b="1" dirty="0">
+              <a:solidFill>
+                <a:schemeClr val="bg1"/>
+              </a:solidFill>
+              <a:latin typeface="에스코어 드림 6 Bold" panose="020B0703030302020204" pitchFamily="34" charset="-127"/>
+              <a:ea typeface="에스코어 드림 6 Bold" panose="020B0703030302020204" pitchFamily="34" charset="-127"/>
+            </a:endParaRPr>
+          </a:p>
+        </p:txBody>
+      </p:sp>
+      <p:sp>
+        <p:nvSpPr>
+          <p:cNvPr id="10" name="TextBox 9">
+            <a:extLst>
+              <a:ext uri="{FF2B5EF4-FFF2-40B4-BE49-F238E27FC236}">
+                <a16:creationId xmlns:a16="http://schemas.microsoft.com/office/drawing/2014/main" id="{AF7FFEEC-C37D-8319-6039-8462C607966D}"/>
+              </a:ext>
+            </a:extLst>
+          </p:cNvPr>
+          <p:cNvSpPr txBox="1"/>
+          <p:nvPr/>
+        </p:nvSpPr>
+        <p:spPr>
+          <a:xfrm>
+            <a:off x="394629" y="828598"/>
+            <a:ext cx="11402741" cy="5834867"/>
+          </a:xfrm>
+          <a:prstGeom prst="rect">
+            <a:avLst/>
+          </a:prstGeom>
+          <a:noFill/>
+        </p:spPr>
+        <p:txBody>
+          <a:bodyPr wrap="square">
+            <a:spAutoFit/>
+          </a:bodyPr>
+          <a:lstStyle>
+            <a:defPPr>
+              <a:defRPr lang="ko-KR"/>
+            </a:defPPr>
+            <a:lvl1pPr marL="66675" marR="0" lvl="0" indent="-66675" fontAlgn="auto">
+              <a:lnSpc>
+                <a:spcPts val="1750"/>
+              </a:lnSpc>
+              <a:spcBef>
+                <a:spcPts val="600"/>
+              </a:spcBef>
+              <a:spcAft>
+                <a:spcPts val="0"/>
+              </a:spcAft>
+              <a:buClrTx/>
+              <a:buSzTx/>
+              <a:buFont typeface="Wingdings" panose="05000000000000000000" pitchFamily="2" charset="2"/>
+              <a:buChar char="§"/>
+              <a:tabLst/>
+              <a:defRPr kumimoji="0" sz="1400" b="0" i="0" u="none" strike="noStrike" cap="none" spc="0" normalizeH="0" baseline="0">
+                <a:ln>
+                  <a:noFill/>
+                </a:ln>
+                <a:effectLst/>
+                <a:uLnTx/>
+                <a:uFillTx/>
+                <a:latin typeface="에스코어 드림 4 Regular" panose="020B0503030302020204" pitchFamily="34" charset="-127"/>
+                <a:ea typeface="에스코어 드림 4 Regular" panose="020B0503030302020204" pitchFamily="34" charset="-127"/>
+              </a:defRPr>
+            </a:lvl1pPr>
+          </a:lstStyle>
+          <a:p>
+            <a:r>
+              <a:rPr lang="en-US" altLang="ko-KR"/>
+              <a:t> influxDB</a:t>
+            </a:r>
+            <a:r>
+              <a:rPr lang="ko-KR" altLang="en-US"/>
+              <a:t>의 </a:t>
+            </a:r>
+            <a:r>
+              <a:rPr lang="en-US" altLang="ko-KR"/>
+              <a:t>Data Explorer</a:t>
+            </a:r>
+            <a:r>
+              <a:rPr lang="ko-KR" altLang="en-US"/>
+              <a:t>에 데이터가 표시된다면 해당 데이터는 </a:t>
+            </a:r>
+            <a:r>
+              <a:rPr lang="en-US" altLang="ko-KR"/>
+              <a:t>Grafana</a:t>
+            </a:r>
+            <a:r>
+              <a:rPr lang="ko-KR" altLang="en-US"/>
+              <a:t>로 시각화할 수 있습니다</a:t>
+            </a:r>
+            <a:r>
+              <a:rPr lang="en-US" altLang="ko-KR"/>
+              <a:t>.</a:t>
+            </a:r>
+          </a:p>
+          <a:p>
+            <a:r>
+              <a:rPr lang="en-US" altLang="ko-KR"/>
+              <a:t> MOS Cloud Manual</a:t>
+            </a:r>
+            <a:r>
+              <a:rPr lang="ko-KR" altLang="en-US"/>
+              <a:t>의 </a:t>
+            </a:r>
+            <a:r>
+              <a:rPr lang="en-US" altLang="ko-KR"/>
+              <a:t>Setings – </a:t>
+            </a:r>
+            <a:r>
+              <a:rPr lang="ko-KR" altLang="en-US"/>
+              <a:t>기기 모니터링 데이터 대시보드 생성 항목을 참고하여 작성합니다</a:t>
+            </a:r>
+            <a:r>
+              <a:rPr lang="en-US" altLang="ko-KR"/>
+              <a:t>.</a:t>
+            </a:r>
+          </a:p>
+          <a:p>
+            <a:r>
+              <a:rPr lang="en-US" altLang="ko-KR"/>
+              <a:t> DB </a:t>
+            </a:r>
+            <a:r>
+              <a:rPr lang="ko-KR" altLang="en-US"/>
+              <a:t>쿼리문은 아래 우측 그림에 있는 내용대로 작성하면 그래프 조회가 가능합니다</a:t>
+            </a:r>
+            <a:r>
+              <a:rPr lang="en-US" altLang="ko-KR"/>
+              <a:t>.</a:t>
+            </a:r>
+          </a:p>
+          <a:p>
+            <a:endParaRPr lang="en-US" altLang="ko-KR"/>
+          </a:p>
+          <a:p>
+            <a:endParaRPr lang="en-US" altLang="ko-KR"/>
+          </a:p>
+          <a:p>
+            <a:endParaRPr lang="en-US" altLang="ko-KR"/>
+          </a:p>
+          <a:p>
+            <a:endParaRPr lang="en-US" altLang="ko-KR"/>
+          </a:p>
+          <a:p>
+            <a:endParaRPr lang="en-US" altLang="ko-KR"/>
+          </a:p>
+          <a:p>
+            <a:endParaRPr lang="en-US" altLang="ko-KR"/>
+          </a:p>
+          <a:p>
+            <a:pPr marL="0" indent="0">
+              <a:buNone/>
+            </a:pPr>
+            <a:endParaRPr lang="en-US" altLang="ko-KR"/>
+          </a:p>
+          <a:p>
+            <a:endParaRPr lang="en-US" altLang="ko-KR"/>
+          </a:p>
+          <a:p>
+            <a:endParaRPr lang="en-US" altLang="ko-KR"/>
+          </a:p>
+          <a:p>
+            <a:pPr>
+              <a:lnSpc>
+                <a:spcPct val="100000"/>
+              </a:lnSpc>
+            </a:pPr>
+            <a:r>
+              <a:rPr lang="ko-KR" altLang="en-US"/>
+              <a:t>그래프 출력 예시</a:t>
+            </a:r>
+            <a:endParaRPr lang="en-US" altLang="ko-KR"/>
+          </a:p>
+          <a:p>
+            <a:endParaRPr lang="en-US" altLang="ko-KR"/>
+          </a:p>
+          <a:p>
+            <a:endParaRPr lang="en-US" altLang="ko-KR"/>
+          </a:p>
+          <a:p>
+            <a:endParaRPr lang="en-US" altLang="ko-KR"/>
+          </a:p>
+          <a:p>
+            <a:endParaRPr lang="en-US" altLang="ko-KR"/>
+          </a:p>
+          <a:p>
+            <a:endParaRPr lang="en-US" altLang="ko-KR"/>
+          </a:p>
+          <a:p>
+            <a:pPr marL="0" indent="0">
+              <a:buNone/>
+            </a:pPr>
+            <a:endParaRPr lang="en-US" altLang="ko-KR"/>
+          </a:p>
+        </p:txBody>
+      </p:sp>
+      <p:pic>
+        <p:nvPicPr>
+          <p:cNvPr id="9" name="그림 8">
+            <a:extLst>
+              <a:ext uri="{FF2B5EF4-FFF2-40B4-BE49-F238E27FC236}">
+                <a16:creationId xmlns:a16="http://schemas.microsoft.com/office/drawing/2014/main" id="{19EB7A80-24B1-4798-EB71-04D8B19C9485}"/>
+              </a:ext>
+            </a:extLst>
+          </p:cNvPr>
+          <p:cNvPicPr>
+            <a:picLocks noChangeAspect="1"/>
+          </p:cNvPicPr>
+          <p:nvPr/>
+        </p:nvPicPr>
+        <p:blipFill>
+          <a:blip r:embed="rId2"/>
+          <a:stretch>
+            <a:fillRect/>
+          </a:stretch>
+        </p:blipFill>
+        <p:spPr>
+          <a:xfrm>
+            <a:off x="521061" y="1863088"/>
+            <a:ext cx="4325259" cy="2434489"/>
+          </a:xfrm>
+          <a:prstGeom prst="rect">
+            <a:avLst/>
+          </a:prstGeom>
+          <a:ln>
+            <a:solidFill>
+              <a:schemeClr val="tx1"/>
+            </a:solidFill>
+          </a:ln>
+        </p:spPr>
+      </p:pic>
+      <p:sp>
+        <p:nvSpPr>
+          <p:cNvPr id="11" name="직사각형 10">
+            <a:extLst>
+              <a:ext uri="{FF2B5EF4-FFF2-40B4-BE49-F238E27FC236}">
+                <a16:creationId xmlns:a16="http://schemas.microsoft.com/office/drawing/2014/main" id="{9B6AEEA1-778E-52D9-0047-37402D3233F0}"/>
+              </a:ext>
+            </a:extLst>
+          </p:cNvPr>
+          <p:cNvSpPr/>
+          <p:nvPr/>
+        </p:nvSpPr>
+        <p:spPr>
+          <a:xfrm>
+            <a:off x="5448240" y="1849485"/>
+            <a:ext cx="4914960" cy="2448092"/>
+          </a:xfrm>
+          <a:prstGeom prst="rect">
+            <a:avLst/>
+          </a:prstGeom>
+          <a:solidFill>
+            <a:schemeClr val="accent6">
+              <a:lumMod val="20000"/>
+              <a:lumOff val="80000"/>
+            </a:schemeClr>
+          </a:solidFill>
+        </p:spPr>
+        <p:style>
+          <a:lnRef idx="2">
+            <a:schemeClr val="accent1">
+              <a:shade val="50000"/>
+            </a:schemeClr>
+          </a:lnRef>
+          <a:fillRef idx="1">
+            <a:schemeClr val="accent1"/>
+          </a:fillRef>
+          <a:effectRef idx="0">
+            <a:schemeClr val="accent1"/>
+          </a:effectRef>
+          <a:fontRef idx="minor">
+            <a:schemeClr val="lt1"/>
+          </a:fontRef>
+        </p:style>
+        <p:txBody>
+          <a:bodyPr rtlCol="0" anchor="ctr"/>
+          <a:lstStyle/>
+          <a:p>
+            <a:r>
+              <a:rPr lang="en-US" altLang="ko-KR" sz="1400" b="1">
+                <a:solidFill>
+                  <a:schemeClr val="tx1"/>
+                </a:solidFill>
+                <a:latin typeface="에스코어 드림 3 Light" panose="020B0303030302020204" pitchFamily="34" charset="-127"/>
+                <a:ea typeface="에스코어 드림 3 Light" panose="020B0303030302020204" pitchFamily="34" charset="-127"/>
+              </a:rPr>
+              <a:t>[</a:t>
+            </a:r>
+            <a:r>
+              <a:rPr lang="ko-KR" altLang="en-US" sz="1400" b="1">
+                <a:solidFill>
+                  <a:schemeClr val="tx1"/>
+                </a:solidFill>
+                <a:latin typeface="에스코어 드림 3 Light" panose="020B0303030302020204" pitchFamily="34" charset="-127"/>
+                <a:ea typeface="에스코어 드림 3 Light" panose="020B0303030302020204" pitchFamily="34" charset="-127"/>
+              </a:rPr>
+              <a:t>점검용 </a:t>
+            </a:r>
+            <a:r>
+              <a:rPr lang="en-US" altLang="ko-KR" sz="1400" b="1">
+                <a:solidFill>
+                  <a:schemeClr val="tx1"/>
+                </a:solidFill>
+                <a:latin typeface="에스코어 드림 3 Light" panose="020B0303030302020204" pitchFamily="34" charset="-127"/>
+                <a:ea typeface="에스코어 드림 3 Light" panose="020B0303030302020204" pitchFamily="34" charset="-127"/>
+              </a:rPr>
+              <a:t>DB </a:t>
+            </a:r>
+            <a:r>
+              <a:rPr lang="ko-KR" altLang="en-US" sz="1400" b="1">
+                <a:solidFill>
+                  <a:schemeClr val="tx1"/>
+                </a:solidFill>
+                <a:latin typeface="에스코어 드림 3 Light" panose="020B0303030302020204" pitchFamily="34" charset="-127"/>
+                <a:ea typeface="에스코어 드림 3 Light" panose="020B0303030302020204" pitchFamily="34" charset="-127"/>
+              </a:rPr>
+              <a:t>쿼리문</a:t>
+            </a:r>
+            <a:r>
+              <a:rPr lang="en-US" altLang="ko-KR" sz="1400" b="1">
+                <a:solidFill>
+                  <a:schemeClr val="tx1"/>
+                </a:solidFill>
+                <a:latin typeface="에스코어 드림 3 Light" panose="020B0303030302020204" pitchFamily="34" charset="-127"/>
+                <a:ea typeface="에스코어 드림 3 Light" panose="020B0303030302020204" pitchFamily="34" charset="-127"/>
+              </a:rPr>
+              <a:t>]</a:t>
+            </a:r>
+            <a:endParaRPr lang="en-US" altLang="ko-KR" sz="900" dirty="0">
+              <a:solidFill>
+                <a:schemeClr val="tx1"/>
+              </a:solidFill>
+              <a:latin typeface="에스코어 드림 3 Light" panose="020B0303030302020204" pitchFamily="34" charset="-127"/>
+              <a:ea typeface="에스코어 드림 3 Light" panose="020B0303030302020204" pitchFamily="34" charset="-127"/>
+            </a:endParaRPr>
+          </a:p>
+          <a:p>
+            <a:endParaRPr lang="en-US" altLang="ko-KR" sz="1000" dirty="0">
+              <a:solidFill>
+                <a:schemeClr val="tx1"/>
+              </a:solidFill>
+              <a:latin typeface="에스코어 드림 3 Light" panose="020B0303030302020204" pitchFamily="34" charset="-127"/>
+              <a:ea typeface="에스코어 드림 3 Light" panose="020B0303030302020204" pitchFamily="34" charset="-127"/>
+            </a:endParaRPr>
+          </a:p>
+          <a:p>
+            <a:pPr algn="l"/>
+            <a:r>
+              <a:rPr lang="en-US" altLang="ko-KR" sz="1000" b="0" i="0">
+                <a:solidFill>
+                  <a:schemeClr val="tx1"/>
+                </a:solidFill>
+                <a:effectLst/>
+                <a:latin typeface="에스코어 드림 3 Light" panose="020B0303030302020204" pitchFamily="34" charset="-127"/>
+                <a:ea typeface="에스코어 드림 3 Light" panose="020B0303030302020204" pitchFamily="34" charset="-127"/>
+              </a:rPr>
+              <a:t>from(bucket: "mos")</a:t>
+            </a:r>
+          </a:p>
+          <a:p>
+            <a:pPr algn="l"/>
+            <a:r>
+              <a:rPr lang="en-US" altLang="ko-KR" sz="1000" b="0" i="0">
+                <a:solidFill>
+                  <a:schemeClr val="tx1"/>
+                </a:solidFill>
+                <a:effectLst/>
+                <a:latin typeface="에스코어 드림 3 Light" panose="020B0303030302020204" pitchFamily="34" charset="-127"/>
+                <a:ea typeface="에스코어 드림 3 Light" panose="020B0303030302020204" pitchFamily="34" charset="-127"/>
+              </a:rPr>
+              <a:t>|&gt; range(start: v.timeRangeStart, stop: v.timeRangeStop)</a:t>
+            </a:r>
+          </a:p>
+          <a:p>
+            <a:pPr algn="l"/>
+            <a:r>
+              <a:rPr lang="en-US" altLang="ko-KR" sz="1000" b="0" i="0">
+                <a:solidFill>
+                  <a:schemeClr val="tx1"/>
+                </a:solidFill>
+                <a:effectLst/>
+                <a:latin typeface="에스코어 드림 3 Light" panose="020B0303030302020204" pitchFamily="34" charset="-127"/>
+                <a:ea typeface="에스코어 드림 3 Light" panose="020B0303030302020204" pitchFamily="34" charset="-127"/>
+              </a:rPr>
+              <a:t>|&gt; filter(fn: (r) =&gt; r["_measurement"] == "mos")</a:t>
+            </a:r>
+          </a:p>
+          <a:p>
+            <a:pPr algn="l"/>
+            <a:r>
+              <a:rPr lang="en-US" altLang="ko-KR" sz="1000" b="0" i="0">
+                <a:solidFill>
+                  <a:schemeClr val="tx1"/>
+                </a:solidFill>
+                <a:effectLst/>
+                <a:latin typeface="에스코어 드림 3 Light" panose="020B0303030302020204" pitchFamily="34" charset="-127"/>
+                <a:ea typeface="에스코어 드림 3 Light" panose="020B0303030302020204" pitchFamily="34" charset="-127"/>
+              </a:rPr>
+              <a:t>|&gt; filter(fn: (r) =&gt; r["_field"] == "ns=2;s=ProSix6A106F156S.OperationalData.CurrentPosition.World.Position_X")</a:t>
+            </a:r>
+          </a:p>
+          <a:p>
+            <a:endParaRPr lang="en-US" altLang="ko-KR" sz="1000" dirty="0">
+              <a:solidFill>
+                <a:schemeClr val="tx1"/>
+              </a:solidFill>
+              <a:latin typeface="에스코어 드림 3 Light" panose="020B0303030302020204" pitchFamily="34" charset="-127"/>
+              <a:ea typeface="에스코어 드림 3 Light" panose="020B0303030302020204" pitchFamily="34" charset="-127"/>
+            </a:endParaRPr>
+          </a:p>
+          <a:p>
+            <a:endParaRPr lang="en-US" altLang="ko-KR" sz="1000" dirty="0">
+              <a:solidFill>
+                <a:schemeClr val="tx1"/>
+              </a:solidFill>
+              <a:latin typeface="에스코어 드림 3 Light" panose="020B0303030302020204" pitchFamily="34" charset="-127"/>
+              <a:ea typeface="에스코어 드림 3 Light" panose="020B0303030302020204" pitchFamily="34" charset="-127"/>
+            </a:endParaRPr>
+          </a:p>
+          <a:p>
+            <a:endParaRPr lang="en-US" altLang="ko-KR" sz="1000" dirty="0">
+              <a:solidFill>
+                <a:schemeClr val="tx1"/>
+              </a:solidFill>
+              <a:latin typeface="에스코어 드림 3 Light" panose="020B0303030302020204" pitchFamily="34" charset="-127"/>
+              <a:ea typeface="에스코어 드림 3 Light" panose="020B0303030302020204" pitchFamily="34" charset="-127"/>
+            </a:endParaRPr>
+          </a:p>
+          <a:p>
+            <a:endParaRPr lang="en-US" altLang="ko-KR" sz="1000" dirty="0">
+              <a:solidFill>
+                <a:schemeClr val="tx1"/>
+              </a:solidFill>
+              <a:latin typeface="에스코어 드림 3 Light" panose="020B0303030302020204" pitchFamily="34" charset="-127"/>
+              <a:ea typeface="에스코어 드림 3 Light" panose="020B0303030302020204" pitchFamily="34" charset="-127"/>
+            </a:endParaRPr>
+          </a:p>
+          <a:p>
+            <a:endParaRPr lang="en-US" altLang="ko-KR" sz="1000" dirty="0">
+              <a:solidFill>
+                <a:schemeClr val="tx1"/>
+              </a:solidFill>
+              <a:latin typeface="에스코어 드림 3 Light" panose="020B0303030302020204" pitchFamily="34" charset="-127"/>
+              <a:ea typeface="에스코어 드림 3 Light" panose="020B0303030302020204" pitchFamily="34" charset="-127"/>
+            </a:endParaRPr>
+          </a:p>
+          <a:p>
+            <a:endParaRPr lang="en-US" altLang="ko-KR" sz="1000" dirty="0">
+              <a:solidFill>
+                <a:schemeClr val="tx1"/>
+              </a:solidFill>
+              <a:latin typeface="에스코어 드림 3 Light" panose="020B0303030302020204" pitchFamily="34" charset="-127"/>
+              <a:ea typeface="에스코어 드림 3 Light" panose="020B0303030302020204" pitchFamily="34" charset="-127"/>
+            </a:endParaRPr>
+          </a:p>
+          <a:p>
+            <a:endParaRPr lang="en-US" altLang="ko-KR" sz="1000" dirty="0">
+              <a:solidFill>
+                <a:schemeClr val="tx1"/>
+              </a:solidFill>
+              <a:latin typeface="에스코어 드림 3 Light" panose="020B0303030302020204" pitchFamily="34" charset="-127"/>
+              <a:ea typeface="에스코어 드림 3 Light" panose="020B0303030302020204" pitchFamily="34" charset="-127"/>
+            </a:endParaRPr>
+          </a:p>
+        </p:txBody>
+      </p:sp>
+      <p:pic>
+        <p:nvPicPr>
+          <p:cNvPr id="16" name="그림 15">
+            <a:extLst>
+              <a:ext uri="{FF2B5EF4-FFF2-40B4-BE49-F238E27FC236}">
+                <a16:creationId xmlns:a16="http://schemas.microsoft.com/office/drawing/2014/main" id="{3BB01B5B-CCDA-E1D0-E613-86239EE8125E}"/>
+              </a:ext>
+            </a:extLst>
+          </p:cNvPr>
+          <p:cNvPicPr>
+            <a:picLocks noChangeAspect="1"/>
+          </p:cNvPicPr>
+          <p:nvPr/>
+        </p:nvPicPr>
+        <p:blipFill>
+          <a:blip r:embed="rId3"/>
+          <a:stretch>
+            <a:fillRect/>
+          </a:stretch>
+        </p:blipFill>
+        <p:spPr>
+          <a:xfrm>
+            <a:off x="521061" y="4751948"/>
+            <a:ext cx="3868059" cy="1991958"/>
+          </a:xfrm>
+          <a:prstGeom prst="rect">
+            <a:avLst/>
+          </a:prstGeom>
+        </p:spPr>
+      </p:pic>
+    </p:spTree>
+    <p:extLst>
+      <p:ext uri="{BB962C8B-B14F-4D97-AF65-F5344CB8AC3E}">
+        <p14:creationId xmlns:p14="http://schemas.microsoft.com/office/powerpoint/2010/main" val="3727368300"/>
       </p:ext>
     </p:extLst>
   </p:cSld>
